--- a/Лекции/Лекции/3_Kanban.pptx
+++ b/Лекции/Лекции/3_Kanban.pptx
@@ -258,7 +258,7 @@
           <a:p>
             <a:fld id="{68B9039C-440E-41F1-B34A-B6801A1DD04B}" type="datetimeFigureOut">
               <a:rPr lang="ru-RU" smtClean="0"/>
-              <a:t>01.10.2020</a:t>
+              <a:t>14.04.2024</a:t>
             </a:fld>
             <a:endParaRPr lang="ru-RU"/>
           </a:p>
@@ -9892,18 +9892,23 @@
             </a:pPr>
             <a:r>
               <a:rPr lang="ru-RU" altLang="ru-RU" sz="2800" dirty="0"/>
-              <a:t>К отдельным </a:t>
-            </a:r>
-            <a:r>
-              <a:rPr lang="ru-RU" altLang="ru-RU" sz="2800" dirty="0" err="1"/>
-              <a:t>agile</a:t>
-            </a:r>
-            <a:r>
-              <a:rPr lang="ru-RU" altLang="ru-RU" sz="2800" dirty="0"/>
-              <a:t>-подходам относятся </a:t>
-            </a:r>
-            <a:r>
-              <a:rPr lang="ru-RU" altLang="ru-RU" sz="2800" b="1" dirty="0" err="1"/>
+              <a:t>К отдельным agile-подходам относятся </a:t>
+            </a:r>
+            <a:endParaRPr lang="en-US" altLang="ru-RU" sz="2800" dirty="0"/>
+          </a:p>
+          <a:p>
+            <a:pPr marL="0" indent="0" eaLnBrk="1" hangingPunct="1">
+              <a:lnSpc>
+                <a:spcPct val="90000"/>
+              </a:lnSpc>
+              <a:buNone/>
+            </a:pPr>
+            <a:r>
+              <a:rPr lang="en-US" altLang="ru-RU" sz="2800" b="1"/>
+              <a:t>                    </a:t>
+            </a:r>
+            <a:r>
+              <a:rPr lang="ru-RU" altLang="ru-RU" sz="2800" b="1"/>
               <a:t>scrum</a:t>
             </a:r>
             <a:r>
